--- a/Section 7 Networks 3.pptx
+++ b/Section 7 Networks 3.pptx
@@ -203,7 +203,7 @@
           <a:p>
             <a:fld id="{CFC73B83-D00D-415D-9600-931A80B69212}" type="datetimeFigureOut">
               <a:rPr lang="en-US" smtClean="0"/>
-              <a:t>3/26/2022</a:t>
+              <a:t>4/27/2022</a:t>
             </a:fld>
             <a:endParaRPr lang="en-US"/>
           </a:p>
